--- a/security.pptx
+++ b/security.pptx
@@ -5,10 +5,10 @@
     <p:sldMasterId id="2147483680" r:id="rId1"/>
   </p:sldMasterIdLst>
   <p:notesMasterIdLst>
-    <p:notesMasterId r:id="rId55"/>
+    <p:notesMasterId r:id="rId57"/>
   </p:notesMasterIdLst>
   <p:handoutMasterIdLst>
-    <p:handoutMasterId r:id="rId56"/>
+    <p:handoutMasterId r:id="rId58"/>
   </p:handoutMasterIdLst>
   <p:sldIdLst>
     <p:sldId id="256" r:id="rId2"/>
@@ -62,8 +62,10 @@
     <p:sldId id="1395" r:id="rId50"/>
     <p:sldId id="1380" r:id="rId51"/>
     <p:sldId id="1396" r:id="rId52"/>
-    <p:sldId id="1377" r:id="rId53"/>
-    <p:sldId id="1397" r:id="rId54"/>
+    <p:sldId id="1398" r:id="rId53"/>
+    <p:sldId id="1399" r:id="rId54"/>
+    <p:sldId id="1377" r:id="rId55"/>
+    <p:sldId id="1397" r:id="rId56"/>
   </p:sldIdLst>
   <p:sldSz cx="9144000" cy="6858000" type="screen4x3"/>
   <p:notesSz cx="7315200" cy="9601200"/>
@@ -1350,7 +1352,7 @@
           <a:effectLst/>
           <a:extLst>
             <a:ext uri="{AF507438-7753-43e0-B8FC-AC1667EBCBE1}">
-              <a14:hiddenEffects xmlns="" xmlns:a14="http://schemas.microsoft.com/office/drawing/2010/main">
+              <a14:hiddenEffects xmlns:a14="http://schemas.microsoft.com/office/drawing/2010/main" xmlns="">
                 <a:effectLst>
                   <a:outerShdw blurRad="63500" dist="38099" dir="2700000" algn="ctr" rotWithShape="0">
                     <a:schemeClr val="bg2">
@@ -2606,14 +2608,14 @@
           <a:effectLst/>
           <a:extLst>
             <a:ext uri="{909E8E84-426E-40dd-AFC4-6F175D3DCCD1}">
-              <a14:hiddenFill xmlns="" xmlns:a14="http://schemas.microsoft.com/office/drawing/2010/main">
+              <a14:hiddenFill xmlns:a14="http://schemas.microsoft.com/office/drawing/2010/main" xmlns="">
                 <a:solidFill>
                   <a:schemeClr val="accent1"/>
                 </a:solidFill>
               </a14:hiddenFill>
             </a:ext>
             <a:ext uri="{91240B29-F687-4f45-9708-019B960494DF}">
-              <a14:hiddenLine xmlns="" xmlns:a14="http://schemas.microsoft.com/office/drawing/2010/main" w="9525">
+              <a14:hiddenLine xmlns:a14="http://schemas.microsoft.com/office/drawing/2010/main" xmlns="" w="9525">
                 <a:solidFill>
                   <a:schemeClr val="tx1"/>
                 </a:solidFill>
@@ -2623,7 +2625,7 @@
               </a14:hiddenLine>
             </a:ext>
             <a:ext uri="{AF507438-7753-43e0-B8FC-AC1667EBCBE1}">
-              <a14:hiddenEffects xmlns="" xmlns:a14="http://schemas.microsoft.com/office/drawing/2010/main">
+              <a14:hiddenEffects xmlns:a14="http://schemas.microsoft.com/office/drawing/2010/main" xmlns="">
                 <a:effectLst>
                   <a:outerShdw blurRad="63500" dist="38099" dir="2700000" algn="ctr" rotWithShape="0">
                     <a:schemeClr val="bg2">
@@ -2634,7 +2636,7 @@
               </a14:hiddenEffects>
             </a:ext>
             <a:ext uri="{FAA26D3D-D897-4be2-8F04-BA451C77F1D7}">
-              <ma14:placeholderFlag xmlns="" xmlns:ma14="http://schemas.microsoft.com/office/mac/drawingml/2011/main" val="1"/>
+              <ma14:placeholderFlag xmlns:ma14="http://schemas.microsoft.com/office/mac/drawingml/2011/main" xmlns="" val="1"/>
             </a:ext>
           </a:extLst>
         </p:spPr>
@@ -2679,14 +2681,14 @@
           <a:effectLst/>
           <a:extLst>
             <a:ext uri="{909E8E84-426E-40dd-AFC4-6F175D3DCCD1}">
-              <a14:hiddenFill xmlns="" xmlns:a14="http://schemas.microsoft.com/office/drawing/2010/main">
+              <a14:hiddenFill xmlns:a14="http://schemas.microsoft.com/office/drawing/2010/main" xmlns="">
                 <a:solidFill>
                   <a:schemeClr val="accent1"/>
                 </a:solidFill>
               </a14:hiddenFill>
             </a:ext>
             <a:ext uri="{91240B29-F687-4f45-9708-019B960494DF}">
-              <a14:hiddenLine xmlns="" xmlns:a14="http://schemas.microsoft.com/office/drawing/2010/main" w="9525">
+              <a14:hiddenLine xmlns:a14="http://schemas.microsoft.com/office/drawing/2010/main" xmlns="" w="9525">
                 <a:solidFill>
                   <a:schemeClr val="tx1"/>
                 </a:solidFill>
@@ -2696,7 +2698,7 @@
               </a14:hiddenLine>
             </a:ext>
             <a:ext uri="{AF507438-7753-43e0-B8FC-AC1667EBCBE1}">
-              <a14:hiddenEffects xmlns="" xmlns:a14="http://schemas.microsoft.com/office/drawing/2010/main">
+              <a14:hiddenEffects xmlns:a14="http://schemas.microsoft.com/office/drawing/2010/main" xmlns="">
                 <a:effectLst>
                   <a:outerShdw blurRad="63500" dist="38099" dir="2700000" algn="ctr" rotWithShape="0">
                     <a:schemeClr val="bg2">
@@ -2707,7 +2709,7 @@
               </a14:hiddenEffects>
             </a:ext>
             <a:ext uri="{FAA26D3D-D897-4be2-8F04-BA451C77F1D7}">
-              <ma14:placeholderFlag xmlns="" xmlns:ma14="http://schemas.microsoft.com/office/mac/drawingml/2011/main" val="1"/>
+              <ma14:placeholderFlag xmlns:ma14="http://schemas.microsoft.com/office/mac/drawingml/2011/main" xmlns="" val="1"/>
             </a:ext>
           </a:extLst>
         </p:spPr>
@@ -4315,7 +4317,7 @@
           <a:effectLst/>
           <a:extLst>
             <a:ext uri="{AF507438-7753-43e0-B8FC-AC1667EBCBE1}">
-              <a14:hiddenEffects xmlns="" xmlns:a14="http://schemas.microsoft.com/office/drawing/2010/main">
+              <a14:hiddenEffects xmlns:a14="http://schemas.microsoft.com/office/drawing/2010/main" xmlns="">
                 <a:effectLst>
                   <a:outerShdw blurRad="63500" dist="38099" dir="2700000" algn="ctr" rotWithShape="0">
                     <a:schemeClr val="bg2">
@@ -4363,7 +4365,7 @@
           <a:effectLst/>
           <a:extLst>
             <a:ext uri="{AF507438-7753-43e0-B8FC-AC1667EBCBE1}">
-              <a14:hiddenEffects xmlns="" xmlns:a14="http://schemas.microsoft.com/office/drawing/2010/main">
+              <a14:hiddenEffects xmlns:a14="http://schemas.microsoft.com/office/drawing/2010/main" xmlns="">
                 <a:effectLst>
                   <a:outerShdw blurRad="63500" dist="38099" dir="2700000" algn="ctr" rotWithShape="0">
                     <a:schemeClr val="bg2">
@@ -6126,6 +6128,12 @@
             </a:r>
           </a:p>
           <a:p>
+            <a:r>
+              <a:rPr lang="en-US" dirty="0"/>
+              <a:t>Key questions</a:t>
+            </a:r>
+          </a:p>
+          <a:p>
             <a:pPr marL="0" indent="0">
               <a:buNone/>
             </a:pPr>
@@ -14544,8 +14552,8 @@
           <a:lstStyle/>
           <a:p>
             <a:r>
-              <a:rPr lang="en-US" dirty="0"/>
-              <a:t>Government t</a:t>
+              <a:rPr lang="en-US" dirty="0" err="1"/>
+              <a:t>Governmentt</a:t>
             </a:r>
             <a:r>
               <a:rPr lang="en-US" baseline="0" dirty="0"/>
@@ -14673,6 +14681,9 @@
               <a:t>Other recommendations in report cited.</a:t>
             </a:r>
           </a:p>
+          <a:p>
+            <a:endParaRPr lang="en-US" dirty="0"/>
+          </a:p>
         </p:txBody>
       </p:sp>
     </p:spTree>
@@ -14710,6 +14721,233 @@
           <p:cNvPr id="2" name="Title 1">
             <a:extLst>
               <a:ext uri="{FF2B5EF4-FFF2-40B4-BE49-F238E27FC236}">
+                <a16:creationId xmlns:a16="http://schemas.microsoft.com/office/drawing/2014/main" id="{4A99D61F-7B5B-40BE-7B70-4327BE043F05}"/>
+              </a:ext>
+            </a:extLst>
+          </p:cNvPr>
+          <p:cNvSpPr>
+            <a:spLocks noGrp="1"/>
+          </p:cNvSpPr>
+          <p:nvPr>
+            <p:ph type="title"/>
+          </p:nvPr>
+        </p:nvSpPr>
+        <p:spPr/>
+        <p:txBody>
+          <a:bodyPr/>
+          <a:lstStyle/>
+          <a:p>
+            <a:r>
+              <a:rPr lang="en-US" dirty="0"/>
+              <a:t>Outline</a:t>
+            </a:r>
+          </a:p>
+        </p:txBody>
+      </p:sp>
+      <p:sp>
+        <p:nvSpPr>
+          <p:cNvPr id="3" name="Content Placeholder 2">
+            <a:extLst>
+              <a:ext uri="{FF2B5EF4-FFF2-40B4-BE49-F238E27FC236}">
+                <a16:creationId xmlns:a16="http://schemas.microsoft.com/office/drawing/2014/main" id="{824068B2-6EA3-96F8-1AAC-55C529A423E6}"/>
+              </a:ext>
+            </a:extLst>
+          </p:cNvPr>
+          <p:cNvSpPr>
+            <a:spLocks noGrp="1"/>
+          </p:cNvSpPr>
+          <p:nvPr>
+            <p:ph idx="1"/>
+          </p:nvPr>
+        </p:nvSpPr>
+        <p:spPr/>
+        <p:txBody>
+          <a:bodyPr/>
+          <a:lstStyle/>
+          <a:p>
+            <a:r>
+              <a:rPr lang="en-US" dirty="0"/>
+              <a:t>Introduction</a:t>
+            </a:r>
+          </a:p>
+          <a:p>
+            <a:r>
+              <a:rPr lang="en-US" dirty="0"/>
+              <a:t>Basic security</a:t>
+            </a:r>
+          </a:p>
+          <a:p>
+            <a:pPr lvl="1"/>
+            <a:r>
+              <a:rPr lang="en-US" dirty="0"/>
+              <a:t>Privileges</a:t>
+            </a:r>
+          </a:p>
+          <a:p>
+            <a:pPr lvl="1"/>
+            <a:r>
+              <a:rPr lang="en-US" dirty="0"/>
+              <a:t>Protecting</a:t>
+            </a:r>
+            <a:r>
+              <a:rPr lang="en-US" baseline="0" dirty="0"/>
+              <a:t> data</a:t>
+            </a:r>
+          </a:p>
+          <a:p>
+            <a:pPr lvl="1"/>
+            <a:r>
+              <a:rPr lang="en-US" baseline="0" dirty="0"/>
+              <a:t>Protecting resources</a:t>
+            </a:r>
+          </a:p>
+          <a:p>
+            <a:r>
+              <a:rPr lang="en-US" dirty="0"/>
+              <a:t>Designing for security</a:t>
+            </a:r>
+          </a:p>
+          <a:p>
+            <a:r>
+              <a:rPr lang="en-US" b="1" dirty="0"/>
+              <a:t>Key questions</a:t>
+            </a:r>
+          </a:p>
+        </p:txBody>
+      </p:sp>
+    </p:spTree>
+    <p:extLst>
+      <p:ext uri="{BB962C8B-B14F-4D97-AF65-F5344CB8AC3E}">
+        <p14:creationId xmlns:p14="http://schemas.microsoft.com/office/powerpoint/2010/main" val="4242201829"/>
+      </p:ext>
+    </p:extLst>
+  </p:cSld>
+  <p:clrMapOvr>
+    <a:masterClrMapping/>
+  </p:clrMapOvr>
+</p:sld>
+</file>
+
+<file path=ppt/slides/slide53.xml><?xml version="1.0" encoding="utf-8"?>
+<p:sld xmlns:a="http://schemas.openxmlformats.org/drawingml/2006/main" xmlns:r="http://schemas.openxmlformats.org/officeDocument/2006/relationships" xmlns:p="http://schemas.openxmlformats.org/presentationml/2006/main">
+  <p:cSld>
+    <p:spTree>
+      <p:nvGrpSpPr>
+        <p:cNvPr id="1" name=""/>
+        <p:cNvGrpSpPr/>
+        <p:nvPr/>
+      </p:nvGrpSpPr>
+      <p:grpSpPr>
+        <a:xfrm>
+          <a:off x="0" y="0"/>
+          <a:ext cx="0" cy="0"/>
+          <a:chOff x="0" y="0"/>
+          <a:chExt cx="0" cy="0"/>
+        </a:xfrm>
+      </p:grpSpPr>
+      <p:sp>
+        <p:nvSpPr>
+          <p:cNvPr id="2" name="Title 1">
+            <a:extLst>
+              <a:ext uri="{FF2B5EF4-FFF2-40B4-BE49-F238E27FC236}">
+                <a16:creationId xmlns:a16="http://schemas.microsoft.com/office/drawing/2014/main" id="{0DAAEC69-6BA9-5BFA-C4B1-908C362FB2EE}"/>
+              </a:ext>
+            </a:extLst>
+          </p:cNvPr>
+          <p:cNvSpPr>
+            <a:spLocks noGrp="1"/>
+          </p:cNvSpPr>
+          <p:nvPr>
+            <p:ph type="title"/>
+          </p:nvPr>
+        </p:nvSpPr>
+        <p:spPr/>
+        <p:txBody>
+          <a:bodyPr/>
+          <a:lstStyle/>
+          <a:p>
+            <a:pPr marL="0" lvl="0" indent="0">
+              <a:buNone/>
+            </a:pPr>
+            <a:r>
+              <a:rPr lang="en-US" dirty="0"/>
+              <a:t>	Key questions</a:t>
+            </a:r>
+          </a:p>
+        </p:txBody>
+      </p:sp>
+      <p:sp>
+        <p:nvSpPr>
+          <p:cNvPr id="3" name="Content Placeholder 2">
+            <a:extLst>
+              <a:ext uri="{FF2B5EF4-FFF2-40B4-BE49-F238E27FC236}">
+                <a16:creationId xmlns:a16="http://schemas.microsoft.com/office/drawing/2014/main" id="{FCAFEF9C-4823-7BAE-136B-1D50928D6A1A}"/>
+              </a:ext>
+            </a:extLst>
+          </p:cNvPr>
+          <p:cNvSpPr>
+            <a:spLocks noGrp="1"/>
+          </p:cNvSpPr>
+          <p:nvPr>
+            <p:ph idx="1"/>
+          </p:nvPr>
+        </p:nvSpPr>
+        <p:spPr/>
+        <p:txBody>
+          <a:bodyPr/>
+          <a:lstStyle/>
+          <a:p>
+            <a:r>
+              <a:rPr lang="en-US" dirty="0"/>
+              <a:t>Are credentials managed appropriately?</a:t>
+            </a:r>
+          </a:p>
+          <a:p>
+            <a:r>
+              <a:rPr lang="en-US" dirty="0"/>
+              <a:t>Is network communication secure?</a:t>
+            </a:r>
+          </a:p>
+          <a:p>
+            <a:endParaRPr lang="en-US" dirty="0"/>
+          </a:p>
+        </p:txBody>
+      </p:sp>
+    </p:spTree>
+    <p:extLst>
+      <p:ext uri="{BB962C8B-B14F-4D97-AF65-F5344CB8AC3E}">
+        <p14:creationId xmlns:p14="http://schemas.microsoft.com/office/powerpoint/2010/main" val="1343718522"/>
+      </p:ext>
+    </p:extLst>
+  </p:cSld>
+  <p:clrMapOvr>
+    <a:masterClrMapping/>
+  </p:clrMapOvr>
+</p:sld>
+</file>
+
+<file path=ppt/slides/slide54.xml><?xml version="1.0" encoding="utf-8"?>
+<p:sld xmlns:a="http://schemas.openxmlformats.org/drawingml/2006/main" xmlns:r="http://schemas.openxmlformats.org/officeDocument/2006/relationships" xmlns:p="http://schemas.openxmlformats.org/presentationml/2006/main">
+  <p:cSld>
+    <p:spTree>
+      <p:nvGrpSpPr>
+        <p:cNvPr id="1" name=""/>
+        <p:cNvGrpSpPr/>
+        <p:nvPr/>
+      </p:nvGrpSpPr>
+      <p:grpSpPr>
+        <a:xfrm>
+          <a:off x="0" y="0"/>
+          <a:ext cx="0" cy="0"/>
+          <a:chOff x="0" y="0"/>
+          <a:chExt cx="0" cy="0"/>
+        </a:xfrm>
+      </p:grpSpPr>
+      <p:sp>
+        <p:nvSpPr>
+          <p:cNvPr id="2" name="Title 1">
+            <a:extLst>
+              <a:ext uri="{FF2B5EF4-FFF2-40B4-BE49-F238E27FC236}">
                 <a16:creationId xmlns:a16="http://schemas.microsoft.com/office/drawing/2014/main" id="{A2604AE4-6668-DA1E-ADFC-90DB3E9A2D88}"/>
               </a:ext>
             </a:extLst>
@@ -14801,7 +15039,7 @@
 </p:sld>
 </file>
 
-<file path=ppt/slides/slide53.xml><?xml version="1.0" encoding="utf-8"?>
+<file path=ppt/slides/slide55.xml><?xml version="1.0" encoding="utf-8"?>
 <p:sld xmlns:a="http://schemas.openxmlformats.org/drawingml/2006/main" xmlns:r="http://schemas.openxmlformats.org/officeDocument/2006/relationships" xmlns:p="http://schemas.openxmlformats.org/presentationml/2006/main">
   <p:cSld>
     <p:spTree>
@@ -15655,7 +15893,7 @@
         <a:effectLst/>
         <a:extLst>
           <a:ext uri="{AF507438-7753-43e0-B8FC-AC1667EBCBE1}">
-            <a14:hiddenEffects xmlns="" xmlns:a14="http://schemas.microsoft.com/office/drawing/2010/main">
+            <a14:hiddenEffects xmlns:a14="http://schemas.microsoft.com/office/drawing/2010/main" xmlns="">
               <a:effectLst>
                 <a:outerShdw blurRad="63500" dist="38099" dir="2700000" algn="ctr" rotWithShape="0">
                   <a:schemeClr val="bg2">
@@ -15732,7 +15970,7 @@
         <a:effectLst/>
         <a:extLst>
           <a:ext uri="{AF507438-7753-43e0-B8FC-AC1667EBCBE1}">
-            <a14:hiddenEffects xmlns="" xmlns:a14="http://schemas.microsoft.com/office/drawing/2010/main">
+            <a14:hiddenEffects xmlns:a14="http://schemas.microsoft.com/office/drawing/2010/main" xmlns="">
               <a:effectLst>
                 <a:outerShdw blurRad="63500" dist="38099" dir="2700000" algn="ctr" rotWithShape="0">
                   <a:schemeClr val="bg2">

--- a/security.pptx
+++ b/security.pptx
@@ -1352,7 +1352,7 @@
           <a:effectLst/>
           <a:extLst>
             <a:ext uri="{AF507438-7753-43e0-B8FC-AC1667EBCBE1}">
-              <a14:hiddenEffects xmlns:a14="http://schemas.microsoft.com/office/drawing/2010/main" xmlns="">
+              <a14:hiddenEffects xmlns="" xmlns:a14="http://schemas.microsoft.com/office/drawing/2010/main">
                 <a:effectLst>
                   <a:outerShdw blurRad="63500" dist="38099" dir="2700000" algn="ctr" rotWithShape="0">
                     <a:schemeClr val="bg2">
@@ -2608,14 +2608,14 @@
           <a:effectLst/>
           <a:extLst>
             <a:ext uri="{909E8E84-426E-40dd-AFC4-6F175D3DCCD1}">
-              <a14:hiddenFill xmlns:a14="http://schemas.microsoft.com/office/drawing/2010/main" xmlns="">
+              <a14:hiddenFill xmlns="" xmlns:a14="http://schemas.microsoft.com/office/drawing/2010/main">
                 <a:solidFill>
                   <a:schemeClr val="accent1"/>
                 </a:solidFill>
               </a14:hiddenFill>
             </a:ext>
             <a:ext uri="{91240B29-F687-4f45-9708-019B960494DF}">
-              <a14:hiddenLine xmlns:a14="http://schemas.microsoft.com/office/drawing/2010/main" xmlns="" w="9525">
+              <a14:hiddenLine xmlns="" xmlns:a14="http://schemas.microsoft.com/office/drawing/2010/main" w="9525">
                 <a:solidFill>
                   <a:schemeClr val="tx1"/>
                 </a:solidFill>
@@ -2625,7 +2625,7 @@
               </a14:hiddenLine>
             </a:ext>
             <a:ext uri="{AF507438-7753-43e0-B8FC-AC1667EBCBE1}">
-              <a14:hiddenEffects xmlns:a14="http://schemas.microsoft.com/office/drawing/2010/main" xmlns="">
+              <a14:hiddenEffects xmlns="" xmlns:a14="http://schemas.microsoft.com/office/drawing/2010/main">
                 <a:effectLst>
                   <a:outerShdw blurRad="63500" dist="38099" dir="2700000" algn="ctr" rotWithShape="0">
                     <a:schemeClr val="bg2">
@@ -2636,7 +2636,7 @@
               </a14:hiddenEffects>
             </a:ext>
             <a:ext uri="{FAA26D3D-D897-4be2-8F04-BA451C77F1D7}">
-              <ma14:placeholderFlag xmlns:ma14="http://schemas.microsoft.com/office/mac/drawingml/2011/main" xmlns="" val="1"/>
+              <ma14:placeholderFlag xmlns="" xmlns:ma14="http://schemas.microsoft.com/office/mac/drawingml/2011/main" val="1"/>
             </a:ext>
           </a:extLst>
         </p:spPr>
@@ -2681,14 +2681,14 @@
           <a:effectLst/>
           <a:extLst>
             <a:ext uri="{909E8E84-426E-40dd-AFC4-6F175D3DCCD1}">
-              <a14:hiddenFill xmlns:a14="http://schemas.microsoft.com/office/drawing/2010/main" xmlns="">
+              <a14:hiddenFill xmlns="" xmlns:a14="http://schemas.microsoft.com/office/drawing/2010/main">
                 <a:solidFill>
                   <a:schemeClr val="accent1"/>
                 </a:solidFill>
               </a14:hiddenFill>
             </a:ext>
             <a:ext uri="{91240B29-F687-4f45-9708-019B960494DF}">
-              <a14:hiddenLine xmlns:a14="http://schemas.microsoft.com/office/drawing/2010/main" xmlns="" w="9525">
+              <a14:hiddenLine xmlns="" xmlns:a14="http://schemas.microsoft.com/office/drawing/2010/main" w="9525">
                 <a:solidFill>
                   <a:schemeClr val="tx1"/>
                 </a:solidFill>
@@ -2698,7 +2698,7 @@
               </a14:hiddenLine>
             </a:ext>
             <a:ext uri="{AF507438-7753-43e0-B8FC-AC1667EBCBE1}">
-              <a14:hiddenEffects xmlns:a14="http://schemas.microsoft.com/office/drawing/2010/main" xmlns="">
+              <a14:hiddenEffects xmlns="" xmlns:a14="http://schemas.microsoft.com/office/drawing/2010/main">
                 <a:effectLst>
                   <a:outerShdw blurRad="63500" dist="38099" dir="2700000" algn="ctr" rotWithShape="0">
                     <a:schemeClr val="bg2">
@@ -2709,7 +2709,7 @@
               </a14:hiddenEffects>
             </a:ext>
             <a:ext uri="{FAA26D3D-D897-4be2-8F04-BA451C77F1D7}">
-              <ma14:placeholderFlag xmlns:ma14="http://schemas.microsoft.com/office/mac/drawingml/2011/main" xmlns="" val="1"/>
+              <ma14:placeholderFlag xmlns="" xmlns:ma14="http://schemas.microsoft.com/office/mac/drawingml/2011/main" val="1"/>
             </a:ext>
           </a:extLst>
         </p:spPr>
@@ -2787,36 +2787,6 @@
             <a:headEnd/>
             <a:tailEnd/>
           </a:ln>
-        </p:spPr>
-      </p:pic>
-      <p:pic>
-        <p:nvPicPr>
-          <p:cNvPr id="3" name="Picture 2">
-            <a:extLst>
-              <a:ext uri="{FF2B5EF4-FFF2-40B4-BE49-F238E27FC236}">
-                <a16:creationId xmlns:a16="http://schemas.microsoft.com/office/drawing/2014/main" id="{D516B1DB-5E49-1EA2-8C18-34B3643D7DAB}"/>
-              </a:ext>
-            </a:extLst>
-          </p:cNvPr>
-          <p:cNvPicPr>
-            <a:picLocks noChangeAspect="1"/>
-          </p:cNvPicPr>
-          <p:nvPr userDrawn="1"/>
-        </p:nvPicPr>
-        <p:blipFill>
-          <a:blip r:embed="rId14"/>
-          <a:stretch>
-            <a:fillRect/>
-          </a:stretch>
-        </p:blipFill>
-        <p:spPr>
-          <a:xfrm>
-            <a:off x="7391400" y="6096000"/>
-            <a:ext cx="1388962" cy="563592"/>
-          </a:xfrm>
-          <a:prstGeom prst="rect">
-            <a:avLst/>
-          </a:prstGeom>
         </p:spPr>
       </p:pic>
     </p:spTree>
@@ -3591,6 +3561,15 @@
               <a:t>Designing for security</a:t>
             </a:r>
           </a:p>
+          <a:p>
+            <a:r>
+              <a:rPr lang="en-US" dirty="0"/>
+              <a:t>Key questions</a:t>
+            </a:r>
+          </a:p>
+          <a:p>
+            <a:endParaRPr lang="en-US" dirty="0"/>
+          </a:p>
         </p:txBody>
       </p:sp>
     </p:spTree>
@@ -4317,7 +4296,7 @@
           <a:effectLst/>
           <a:extLst>
             <a:ext uri="{AF507438-7753-43e0-B8FC-AC1667EBCBE1}">
-              <a14:hiddenEffects xmlns:a14="http://schemas.microsoft.com/office/drawing/2010/main" xmlns="">
+              <a14:hiddenEffects xmlns="" xmlns:a14="http://schemas.microsoft.com/office/drawing/2010/main">
                 <a:effectLst>
                   <a:outerShdw blurRad="63500" dist="38099" dir="2700000" algn="ctr" rotWithShape="0">
                     <a:schemeClr val="bg2">
@@ -4365,7 +4344,7 @@
           <a:effectLst/>
           <a:extLst>
             <a:ext uri="{AF507438-7753-43e0-B8FC-AC1667EBCBE1}">
-              <a14:hiddenEffects xmlns:a14="http://schemas.microsoft.com/office/drawing/2010/main" xmlns="">
+              <a14:hiddenEffects xmlns="" xmlns:a14="http://schemas.microsoft.com/office/drawing/2010/main">
                 <a:effectLst>
                   <a:outerShdw blurRad="63500" dist="38099" dir="2700000" algn="ctr" rotWithShape="0">
                     <a:schemeClr val="bg2">
@@ -13014,6 +12993,15 @@
               <a:t>Designing for security</a:t>
             </a:r>
           </a:p>
+          <a:p>
+            <a:r>
+              <a:rPr lang="en-US" dirty="0"/>
+              <a:t>Key questions</a:t>
+            </a:r>
+          </a:p>
+          <a:p>
+            <a:endParaRPr lang="en-US" dirty="0"/>
+          </a:p>
         </p:txBody>
       </p:sp>
     </p:spTree>
@@ -13681,6 +13669,15 @@
               <a:t>Designing for security</a:t>
             </a:r>
           </a:p>
+          <a:p>
+            <a:r>
+              <a:rPr lang="en-US" dirty="0"/>
+              <a:t>Key questions</a:t>
+            </a:r>
+          </a:p>
+          <a:p>
+            <a:endParaRPr lang="en-US" b="1" dirty="0"/>
+          </a:p>
         </p:txBody>
       </p:sp>
     </p:spTree>
@@ -14469,6 +14466,15 @@
               <a:rPr lang="en-US" dirty="0"/>
               <a:t>Designing for security</a:t>
             </a:r>
+          </a:p>
+          <a:p>
+            <a:r>
+              <a:rPr lang="en-US" dirty="0"/>
+              <a:t>Key questions</a:t>
+            </a:r>
+          </a:p>
+          <a:p>
+            <a:endParaRPr lang="en-US" dirty="0"/>
           </a:p>
         </p:txBody>
       </p:sp>
@@ -15893,7 +15899,7 @@
         <a:effectLst/>
         <a:extLst>
           <a:ext uri="{AF507438-7753-43e0-B8FC-AC1667EBCBE1}">
-            <a14:hiddenEffects xmlns:a14="http://schemas.microsoft.com/office/drawing/2010/main" xmlns="">
+            <a14:hiddenEffects xmlns="" xmlns:a14="http://schemas.microsoft.com/office/drawing/2010/main">
               <a:effectLst>
                 <a:outerShdw blurRad="63500" dist="38099" dir="2700000" algn="ctr" rotWithShape="0">
                   <a:schemeClr val="bg2">
@@ -15970,7 +15976,7 @@
         <a:effectLst/>
         <a:extLst>
           <a:ext uri="{AF507438-7753-43e0-B8FC-AC1667EBCBE1}">
-            <a14:hiddenEffects xmlns:a14="http://schemas.microsoft.com/office/drawing/2010/main" xmlns="">
+            <a14:hiddenEffects xmlns="" xmlns:a14="http://schemas.microsoft.com/office/drawing/2010/main">
               <a:effectLst>
                 <a:outerShdw blurRad="63500" dist="38099" dir="2700000" algn="ctr" rotWithShape="0">
                   <a:schemeClr val="bg2">
